--- a/images/timeline.pptx
+++ b/images/timeline.pptx
@@ -104,6 +104,11 @@
       </a:defRPr>
     </a:lvl9pPr>
   </p:defaultTextStyle>
+  <p:extLst>
+    <p:ext uri="{EFAFB233-063F-42B5-8137-9DF3F51BA10A}">
+      <p15:sldGuideLst xmlns:p15="http://schemas.microsoft.com/office/powerpoint/2012/main"/>
+    </p:ext>
+  </p:extLst>
 </p:presentation>
 </file>
 
@@ -3399,8 +3404,12 @@
           <a:p>
             <a:pPr algn="ctr"/>
             <a:r>
-              <a:rPr lang="en-US" sz="1000" i="1" dirty="0"/>
-              <a:t>9/3 AM</a:t>
+              <a:rPr lang="en-US" sz="1000" i="1" dirty="0">
+                <a:solidFill>
+                  <a:srgbClr val="61714D"/>
+                </a:solidFill>
+              </a:rPr>
+              <a:t>Morning Sept. 3rd</a:t>
             </a:r>
           </a:p>
           <a:p>
@@ -3442,8 +3451,12 @@
           <a:p>
             <a:pPr algn="ctr"/>
             <a:r>
-              <a:rPr lang="en-US" sz="1000" i="1" dirty="0"/>
-              <a:t>9/3 PM</a:t>
+              <a:rPr lang="en-US" sz="1000" i="1" dirty="0">
+                <a:solidFill>
+                  <a:srgbClr val="61714D"/>
+                </a:solidFill>
+              </a:rPr>
+              <a:t>Evening Sept. 3rd</a:t>
             </a:r>
           </a:p>
           <a:p>
@@ -3485,8 +3498,12 @@
           <a:p>
             <a:pPr algn="ctr"/>
             <a:r>
-              <a:rPr lang="en-US" sz="1000" i="1" dirty="0"/>
-              <a:t>9/4 AM</a:t>
+              <a:rPr lang="en-US" sz="1000" i="1" dirty="0">
+                <a:solidFill>
+                  <a:srgbClr val="6D152B"/>
+                </a:solidFill>
+              </a:rPr>
+              <a:t>Morning Sept. 4th</a:t>
             </a:r>
           </a:p>
           <a:p>
@@ -3528,8 +3545,12 @@
           <a:p>
             <a:pPr algn="ctr"/>
             <a:r>
-              <a:rPr lang="en-US" sz="1000" i="1" dirty="0"/>
-              <a:t>9/4 PM</a:t>
+              <a:rPr lang="en-US" sz="1000" i="1" dirty="0">
+                <a:solidFill>
+                  <a:srgbClr val="6D152B"/>
+                </a:solidFill>
+              </a:rPr>
+              <a:t>Evening Sept 4th</a:t>
             </a:r>
           </a:p>
           <a:p>
@@ -3571,8 +3592,12 @@
           <a:p>
             <a:pPr algn="ctr"/>
             <a:r>
-              <a:rPr lang="en-US" sz="1000" i="1" dirty="0"/>
-              <a:t>9/5 AM</a:t>
+              <a:rPr lang="en-US" sz="1000" i="1" dirty="0">
+                <a:solidFill>
+                  <a:srgbClr val="0070C0"/>
+                </a:solidFill>
+              </a:rPr>
+              <a:t>Morning Sept. 5</a:t>
             </a:r>
           </a:p>
           <a:p>
